--- a/NodeJS/lesson_29/Presentation/Working_with_requests.pptx
+++ b/NodeJS/lesson_29/Presentation/Working_with_requests.pptx
@@ -3765,7 +3765,7 @@
         <p:spPr>
           <a:xfrm>
             <a:off x="323528" y="1052736"/>
-            <a:ext cx="8064896" cy="2031325"/>
+            <a:ext cx="8064896" cy="923330"/>
           </a:xfrm>
           <a:prstGeom prst="rect">
             <a:avLst/>
@@ -3847,7 +3847,7 @@
               <a:rPr lang="ru-RU" dirty="0">
                 <a:latin typeface="Calibri" pitchFamily="34" charset="0"/>
               </a:rPr>
-              <a:t>, являющийся потоком с возможностью записи. </a:t>
+              <a:t>. </a:t>
             </a:r>
             <a:r>
               <a:rPr lang="en-US" dirty="0">
@@ -3855,18 +3855,6 @@
               </a:rPr>
               <a:t> </a:t>
             </a:r>
-          </a:p>
-          <a:p>
-            <a:endParaRPr lang="en-US" dirty="0">
-              <a:latin typeface="Calibri" pitchFamily="34" charset="0"/>
-            </a:endParaRPr>
-          </a:p>
-          <a:p>
-            <a:endParaRPr lang="en-US" dirty="0">
-              <a:latin typeface="Calibri" pitchFamily="34" charset="0"/>
-            </a:endParaRPr>
-          </a:p>
-          <a:p>
             <a:endParaRPr lang="uk-UA" dirty="0">
               <a:latin typeface="Calibri" pitchFamily="34" charset="0"/>
             </a:endParaRPr>
@@ -4187,7 +4175,7 @@
         <p:spPr>
           <a:xfrm>
             <a:off x="395536" y="3284984"/>
-            <a:ext cx="3312368" cy="2031325"/>
+            <a:ext cx="3312368" cy="1477328"/>
           </a:xfrm>
           <a:prstGeom prst="rect">
             <a:avLst/>
@@ -4228,7 +4216,7 @@
               <a:rPr lang="ru-RU" dirty="0">
                 <a:latin typeface="Calibri" pitchFamily="34" charset="0"/>
               </a:rPr>
-              <a:t> вы должны вызвать </a:t>
+              <a:t> нужно вызывать </a:t>
             </a:r>
             <a:r>
               <a:rPr lang="ru-RU" b="1" dirty="0" err="1">
@@ -4246,7 +4234,13 @@
               <a:rPr lang="ru-RU" dirty="0">
                 <a:latin typeface="Calibri" pitchFamily="34" charset="0"/>
               </a:rPr>
-              <a:t>, иначе всё что вы делали до этого с объектом запроса не произойдёт и данные не будут отправлены.</a:t>
+              <a:t>, иначе объект </a:t>
+            </a:r>
+            <a:r>
+              <a:rPr lang="ru-RU">
+                <a:latin typeface="Calibri" pitchFamily="34" charset="0"/>
+              </a:rPr>
+              <a:t>запроса не будут отправлен.</a:t>
             </a:r>
             <a:endParaRPr lang="en-US" dirty="0">
               <a:latin typeface="Calibri" pitchFamily="34" charset="0"/>
